--- a/présentation TINKER MAQUETTE.pptx
+++ b/présentation TINKER MAQUETTE.pptx
@@ -125,62 +125,6 @@
 </p:presentation>
 </file>
 
-<file path=ppt/ink/ink1.xml><?xml version="1.0" encoding="utf-8"?>
-<inkml:ink xmlns:inkml="http://www.w3.org/2003/InkML">
-  <inkml:definitions>
-    <inkml:context xml:id="ctx0">
-      <inkml:inkSource xml:id="inkSrc0">
-        <inkml:traceFormat>
-          <inkml:channel name="X" type="integer" min="-2.14748E9" max="2.14748E9" units="cm"/>
-          <inkml:channel name="Y" type="integer" min="-2.14748E9" max="2.14748E9" units="cm"/>
-          <inkml:channel name="F" type="integer" max="32767" units="dev"/>
-        </inkml:traceFormat>
-        <inkml:channelProperties>
-          <inkml:channelProperty channel="X" name="resolution" value="1000" units="1/cm"/>
-          <inkml:channelProperty channel="Y" name="resolution" value="1000" units="1/cm"/>
-          <inkml:channelProperty channel="F" name="resolution" value="0" units="1/dev"/>
-        </inkml:channelProperties>
-      </inkml:inkSource>
-      <inkml:timestamp xml:id="ts0" timeString="2023-03-06T10:09:54.963"/>
-    </inkml:context>
-    <inkml:brush xml:id="br0">
-      <inkml:brushProperty name="width" value="0.05" units="cm"/>
-      <inkml:brushProperty name="height" value="0.05" units="cm"/>
-      <inkml:brushProperty name="color" value="#E71224"/>
-    </inkml:brush>
-  </inkml:definitions>
-  <inkml:trace contextRef="#ctx0" brushRef="#br0">0 0 24575,'9'1'0,"0"0"0,0 0 0,0 1 0,-1 0 0,1 1 0,-1 0 0,1 0 0,-1 1 0,0 0 0,0 1 0,11 8 0,10 9 0,41 39 0,-47-39 0,-9-8 0,-1 0 0,-1 1 0,11 17 0,-14-19 0,0 0 0,0-1 0,1-1 0,1 0 0,18 16 0,93 72-1365,-102-85-5461</inkml:trace>
-</inkml:ink>
-</file>
-
-<file path=ppt/ink/ink2.xml><?xml version="1.0" encoding="utf-8"?>
-<inkml:ink xmlns:inkml="http://www.w3.org/2003/InkML">
-  <inkml:definitions>
-    <inkml:context xml:id="ctx0">
-      <inkml:inkSource xml:id="inkSrc0">
-        <inkml:traceFormat>
-          <inkml:channel name="X" type="integer" min="-2.14748E9" max="2.14748E9" units="cm"/>
-          <inkml:channel name="Y" type="integer" min="-2.14748E9" max="2.14748E9" units="cm"/>
-          <inkml:channel name="F" type="integer" max="32767" units="dev"/>
-        </inkml:traceFormat>
-        <inkml:channelProperties>
-          <inkml:channelProperty channel="X" name="resolution" value="1000" units="1/cm"/>
-          <inkml:channelProperty channel="Y" name="resolution" value="1000" units="1/cm"/>
-          <inkml:channelProperty channel="F" name="resolution" value="0" units="1/dev"/>
-        </inkml:channelProperties>
-      </inkml:inkSource>
-      <inkml:timestamp xml:id="ts0" timeString="2023-03-06T10:10:40.394"/>
-    </inkml:context>
-    <inkml:brush xml:id="br0">
-      <inkml:brushProperty name="width" value="0.05" units="cm"/>
-      <inkml:brushProperty name="height" value="0.05" units="cm"/>
-      <inkml:brushProperty name="color" value="#E71224"/>
-    </inkml:brush>
-  </inkml:definitions>
-  <inkml:trace contextRef="#ctx0" brushRef="#br0">703 0 24575,'-1'23'0,"-1"0"0,-1 0 0,-1-1 0,-1 1 0,-1-1 0,-1 0 0,-1-1 0,-16 33 0,-13 12 0,-55 78 0,45-76 0,-63 77 0,68-94 0,-47 75 0,-14 30 0,59-93 0,-19 21-1365,48-63-5461</inkml:trace>
-</inkml:ink>
-</file>
-
 <file path=ppt/notesMasters/notesMaster1.xml><?xml version="1.0" encoding="utf-8"?>
 <p:notesMaster xmlns:a="http://schemas.openxmlformats.org/drawingml/2006/main" xmlns:r="http://schemas.openxmlformats.org/officeDocument/2006/relationships" xmlns:p="http://schemas.openxmlformats.org/presentationml/2006/main">
   <p:cSld>
@@ -263,7 +207,7 @@
           <a:p>
             <a:fld id="{AD56C238-CB09-45E8-B035-730BB1179B4A}" type="datetimeFigureOut">
               <a:rPr lang="fr-BF" smtClean="0"/>
-              <a:t>06/03/2023</a:t>
+              <a:t>09/03/2023</a:t>
             </a:fld>
             <a:endParaRPr lang="fr-BF"/>
           </a:p>
@@ -984,7 +928,7 @@
           <a:p>
             <a:fld id="{B5B3CC0F-4F71-4E96-AF3A-8BDD465B75E0}" type="datetime1">
               <a:rPr lang="fr-BF" smtClean="0"/>
-              <a:t>06/03/2023</a:t>
+              <a:t>09/03/2023</a:t>
             </a:fld>
             <a:endParaRPr lang="fr-BF"/>
           </a:p>
@@ -1316,7 +1260,7 @@
           <a:p>
             <a:fld id="{E86070DD-8547-443E-8A78-233452FFC5C4}" type="datetime1">
               <a:rPr lang="fr-BF" smtClean="0"/>
-              <a:t>06/03/2023</a:t>
+              <a:t>09/03/2023</a:t>
             </a:fld>
             <a:endParaRPr lang="fr-BF"/>
           </a:p>
@@ -1512,7 +1456,7 @@
           <a:p>
             <a:fld id="{1714EDE8-84F1-415A-ABCD-2A5119B25857}" type="datetime1">
               <a:rPr lang="fr-BF" smtClean="0"/>
-              <a:t>06/03/2023</a:t>
+              <a:t>09/03/2023</a:t>
             </a:fld>
             <a:endParaRPr lang="fr-BF"/>
           </a:p>
@@ -1782,7 +1726,7 @@
           <a:p>
             <a:fld id="{3CA9BFD5-8FD6-4495-9D3E-BF8CD6B332E7}" type="datetime1">
               <a:rPr lang="fr-BF" smtClean="0"/>
-              <a:t>06/03/2023</a:t>
+              <a:t>09/03/2023</a:t>
             </a:fld>
             <a:endParaRPr lang="fr-BF"/>
           </a:p>
@@ -2210,7 +2154,7 @@
           <a:p>
             <a:fld id="{75AA9DBC-01A8-43FB-A46D-C2095B72D531}" type="datetime1">
               <a:rPr lang="fr-BF" smtClean="0"/>
-              <a:t>06/03/2023</a:t>
+              <a:t>09/03/2023</a:t>
             </a:fld>
             <a:endParaRPr lang="fr-BF"/>
           </a:p>
@@ -2760,7 +2704,7 @@
           <a:p>
             <a:fld id="{FC28D697-D67E-4008-89A5-6FE27A3734C2}" type="datetime1">
               <a:rPr lang="fr-BF" smtClean="0"/>
-              <a:t>06/03/2023</a:t>
+              <a:t>09/03/2023</a:t>
             </a:fld>
             <a:endParaRPr lang="fr-BF"/>
           </a:p>
@@ -3550,7 +3494,7 @@
           <a:p>
             <a:fld id="{A2BF8932-75E6-4A02-90AA-36AA6CADF857}" type="datetime1">
               <a:rPr lang="fr-BF" smtClean="0"/>
-              <a:t>06/03/2023</a:t>
+              <a:t>09/03/2023</a:t>
             </a:fld>
             <a:endParaRPr lang="fr-BF"/>
           </a:p>
@@ -3729,7 +3673,7 @@
           <a:p>
             <a:fld id="{9B593917-7BB7-4983-863A-653C3BE27906}" type="datetime1">
               <a:rPr lang="fr-BF" smtClean="0"/>
-              <a:t>06/03/2023</a:t>
+              <a:t>09/03/2023</a:t>
             </a:fld>
             <a:endParaRPr lang="fr-BF"/>
           </a:p>
@@ -3913,7 +3857,7 @@
           <a:p>
             <a:fld id="{D8FCD3C4-66C4-4E29-BD74-9C45A5BCBB6C}" type="datetime1">
               <a:rPr lang="fr-BF" smtClean="0"/>
-              <a:t>06/03/2023</a:t>
+              <a:t>09/03/2023</a:t>
             </a:fld>
             <a:endParaRPr lang="fr-BF"/>
           </a:p>
@@ -4101,7 +4045,7 @@
           <a:p>
             <a:fld id="{28A56BA7-519C-4587-BB25-7349ACE0279D}" type="datetime1">
               <a:rPr lang="fr-BF" smtClean="0"/>
-              <a:t>06/03/2023</a:t>
+              <a:t>09/03/2023</a:t>
             </a:fld>
             <a:endParaRPr lang="fr-BF"/>
           </a:p>
@@ -4288,7 +4232,7 @@
           <a:p>
             <a:fld id="{CB088BAF-D9E5-4242-8B74-1660176126DC}" type="datetime1">
               <a:rPr lang="fr-BF" smtClean="0"/>
-              <a:t>06/03/2023</a:t>
+              <a:t>09/03/2023</a:t>
             </a:fld>
             <a:endParaRPr lang="fr-BF"/>
           </a:p>
@@ -4538,7 +4482,7 @@
           <a:p>
             <a:fld id="{649E9ECB-ED69-4691-BD4B-52F42997767D}" type="datetime1">
               <a:rPr lang="fr-BF" smtClean="0"/>
-              <a:t>06/03/2023</a:t>
+              <a:t>09/03/2023</a:t>
             </a:fld>
             <a:endParaRPr lang="fr-BF"/>
           </a:p>
@@ -4775,7 +4719,7 @@
           <a:p>
             <a:fld id="{C5B28D92-2611-4BEC-9787-0BACCAA7A49B}" type="datetime1">
               <a:rPr lang="fr-BF" smtClean="0"/>
-              <a:t>06/03/2023</a:t>
+              <a:t>09/03/2023</a:t>
             </a:fld>
             <a:endParaRPr lang="fr-BF"/>
           </a:p>
@@ -5160,7 +5104,7 @@
           <a:p>
             <a:fld id="{2DD7A3E8-5059-42AF-8932-B8E9B2D2A1D6}" type="datetime1">
               <a:rPr lang="fr-BF" smtClean="0"/>
-              <a:t>06/03/2023</a:t>
+              <a:t>09/03/2023</a:t>
             </a:fld>
             <a:endParaRPr lang="fr-BF"/>
           </a:p>
@@ -5278,7 +5222,7 @@
           <a:p>
             <a:fld id="{31066CF3-CF24-46D7-AFB5-E458118DCF87}" type="datetime1">
               <a:rPr lang="fr-BF" smtClean="0"/>
-              <a:t>06/03/2023</a:t>
+              <a:t>09/03/2023</a:t>
             </a:fld>
             <a:endParaRPr lang="fr-BF"/>
           </a:p>
@@ -5373,7 +5317,7 @@
           <a:p>
             <a:fld id="{ED982FEB-1C21-4ECA-8799-08410BBECED4}" type="datetime1">
               <a:rPr lang="fr-BF" smtClean="0"/>
-              <a:t>06/03/2023</a:t>
+              <a:t>09/03/2023</a:t>
             </a:fld>
             <a:endParaRPr lang="fr-BF"/>
           </a:p>
@@ -5626,7 +5570,7 @@
           <a:p>
             <a:fld id="{19D455B3-C432-4634-B89E-95B74BB3F797}" type="datetime1">
               <a:rPr lang="fr-BF" smtClean="0"/>
-              <a:t>06/03/2023</a:t>
+              <a:t>09/03/2023</a:t>
             </a:fld>
             <a:endParaRPr lang="fr-BF"/>
           </a:p>
@@ -5895,7 +5839,7 @@
           <a:p>
             <a:fld id="{14A997CB-5C9E-42B3-858F-3A6223664288}" type="datetime1">
               <a:rPr lang="fr-BF" smtClean="0"/>
-              <a:t>06/03/2023</a:t>
+              <a:t>09/03/2023</a:t>
             </a:fld>
             <a:endParaRPr lang="fr-BF"/>
           </a:p>
@@ -6298,7 +6242,7 @@
           <a:p>
             <a:fld id="{0B808E48-A1D6-4E21-9545-5A71CAA4D307}" type="datetime1">
               <a:rPr lang="fr-BF" smtClean="0"/>
-              <a:t>06/03/2023</a:t>
+              <a:t>09/03/2023</a:t>
             </a:fld>
             <a:endParaRPr lang="fr-BF"/>
           </a:p>
@@ -6774,7 +6718,7 @@
           </p:nvPr>
         </p:nvSpPr>
         <p:spPr>
-          <a:xfrm rot="20668261">
+          <a:xfrm rot="21317125">
             <a:off x="1524000" y="1600199"/>
             <a:ext cx="9144000" cy="1909763"/>
           </a:xfrm>
@@ -7204,8 +7148,8 @@
         </p:blipFill>
         <p:spPr>
           <a:xfrm>
-            <a:off x="4275786" y="1851383"/>
-            <a:ext cx="2034862" cy="4351338"/>
+            <a:off x="4252259" y="1682496"/>
+            <a:ext cx="2034862" cy="3759274"/>
           </a:xfrm>
         </p:spPr>
       </p:pic>
@@ -7552,108 +7496,6 @@
           </a:prstGeom>
         </p:spPr>
       </p:pic>
-      <mc:AlternateContent xmlns:mc="http://schemas.openxmlformats.org/markup-compatibility/2006" xmlns:p14="http://schemas.microsoft.com/office/powerpoint/2010/main">
-        <mc:Choice Requires="p14">
-          <p:contentPart p14:bwMode="auto" r:id="rId3">
-            <p14:nvContentPartPr>
-              <p14:cNvPr id="8" name="Encre 7">
-                <a:extLst>
-                  <a:ext uri="{FF2B5EF4-FFF2-40B4-BE49-F238E27FC236}">
-                    <a16:creationId xmlns:a16="http://schemas.microsoft.com/office/drawing/2014/main" id="{A847BF9E-E16A-C6F7-82ED-F5E2151C3DCA}"/>
-                  </a:ext>
-                </a:extLst>
-              </p14:cNvPr>
-              <p14:cNvContentPartPr/>
-              <p14:nvPr/>
-            </p14:nvContentPartPr>
-            <p14:xfrm>
-              <a:off x="4468878" y="3708811"/>
-              <a:ext cx="186120" cy="152280"/>
-            </p14:xfrm>
-          </p:contentPart>
-        </mc:Choice>
-        <mc:Fallback xmlns="">
-          <p:pic>
-            <p:nvPicPr>
-              <p:cNvPr id="8" name="Encre 7">
-                <a:extLst>
-                  <a:ext uri="{FF2B5EF4-FFF2-40B4-BE49-F238E27FC236}">
-                    <a16:creationId xmlns:a16="http://schemas.microsoft.com/office/drawing/2014/main" id="{A847BF9E-E16A-C6F7-82ED-F5E2151C3DCA}"/>
-                  </a:ext>
-                </a:extLst>
-              </p:cNvPr>
-              <p:cNvPicPr/>
-              <p:nvPr/>
-            </p:nvPicPr>
-            <p:blipFill>
-              <a:blip r:embed="rId4"/>
-              <a:stretch>
-                <a:fillRect/>
-              </a:stretch>
-            </p:blipFill>
-            <p:spPr>
-              <a:xfrm>
-                <a:off x="4459878" y="3699811"/>
-                <a:ext cx="203760" cy="169920"/>
-              </a:xfrm>
-              <a:prstGeom prst="rect">
-                <a:avLst/>
-              </a:prstGeom>
-            </p:spPr>
-          </p:pic>
-        </mc:Fallback>
-      </mc:AlternateContent>
-      <mc:AlternateContent xmlns:mc="http://schemas.openxmlformats.org/markup-compatibility/2006" xmlns:p14="http://schemas.microsoft.com/office/powerpoint/2010/main">
-        <mc:Choice Requires="p14">
-          <p:contentPart p14:bwMode="auto" r:id="rId5">
-            <p14:nvContentPartPr>
-              <p14:cNvPr id="10" name="Encre 9">
-                <a:extLst>
-                  <a:ext uri="{FF2B5EF4-FFF2-40B4-BE49-F238E27FC236}">
-                    <a16:creationId xmlns:a16="http://schemas.microsoft.com/office/drawing/2014/main" id="{4E6DBE56-F867-B8B5-75C8-27FBDDC108D9}"/>
-                  </a:ext>
-                </a:extLst>
-              </p14:cNvPr>
-              <p14:cNvContentPartPr/>
-              <p14:nvPr/>
-            </p14:nvContentPartPr>
-            <p14:xfrm>
-              <a:off x="4383198" y="3631411"/>
-              <a:ext cx="253440" cy="416880"/>
-            </p14:xfrm>
-          </p:contentPart>
-        </mc:Choice>
-        <mc:Fallback xmlns="">
-          <p:pic>
-            <p:nvPicPr>
-              <p:cNvPr id="10" name="Encre 9">
-                <a:extLst>
-                  <a:ext uri="{FF2B5EF4-FFF2-40B4-BE49-F238E27FC236}">
-                    <a16:creationId xmlns:a16="http://schemas.microsoft.com/office/drawing/2014/main" id="{4E6DBE56-F867-B8B5-75C8-27FBDDC108D9}"/>
-                  </a:ext>
-                </a:extLst>
-              </p:cNvPr>
-              <p:cNvPicPr/>
-              <p:nvPr/>
-            </p:nvPicPr>
-            <p:blipFill>
-              <a:blip r:embed="rId6"/>
-              <a:stretch>
-                <a:fillRect/>
-              </a:stretch>
-            </p:blipFill>
-            <p:spPr>
-              <a:xfrm>
-                <a:off x="4374558" y="3622411"/>
-                <a:ext cx="271080" cy="434520"/>
-              </a:xfrm>
-              <a:prstGeom prst="rect">
-                <a:avLst/>
-              </a:prstGeom>
-            </p:spPr>
-          </p:pic>
-        </mc:Fallback>
-      </mc:AlternateContent>
     </p:spTree>
     <p:extLst>
       <p:ext uri="{BB962C8B-B14F-4D97-AF65-F5344CB8AC3E}">
@@ -8631,8 +8473,8 @@
         </p:blipFill>
         <p:spPr>
           <a:xfrm>
-            <a:off x="1302773" y="3108874"/>
-            <a:ext cx="2733241" cy="1325563"/>
+            <a:off x="969265" y="3295084"/>
+            <a:ext cx="3196909" cy="1325563"/>
           </a:xfrm>
           <a:prstGeom prst="rect">
             <a:avLst/>
